--- a/assets/output/pptx-sample.template.output.pptx
+++ b/assets/output/pptx-sample.template.output.pptx
@@ -7,13 +7,6 @@
   <p:sldIdLst>
     <p:sldId id="265" r:id="rId2"/>
     <p:sldId id="257" r:id="rId3"/>
-    <p:sldId id="258" r:id="rId4"/>
-    <p:sldId id="259" r:id="rId5"/>
-    <p:sldId id="260" r:id="rId6"/>
-    <p:sldId id="262" r:id="rId7"/>
-    <p:sldId id="261" r:id="rId8"/>
-    <p:sldId id="263" r:id="rId9"/>
-    <p:sldId id="264" r:id="rId10"/>
   </p:sldIdLst>
   <p:sldSz cx="10691813" cy="7559675"/>
   <p:notesSz cx="6858000" cy="9144000"/>
@@ -112,7 +105,6 @@
       </a:defRPr>
     </a:lvl9pPr>
   </p:defaultTextStyle>
-  <p:modifyVerifier cryptProviderType="rsaAES" cryptAlgorithmClass="hash" cryptAlgorithmType="typeAny" cryptAlgorithmSid="14" spinCount="100000" saltData="bm34L17a8GcFVpWla/caYA==" hashData="hB++ApxSVsiX9sx2NwztF6szA4YyQAfZDlEtx0DjKbPeSphBKAei0yigXFZhNYNg/Bje1iiejAijEIGGG683+A=="/>
   <p:extLst>
     <p:ext uri="{EFAFB233-063F-42B5-8137-9DF3F51BA10A}">
       <p15:sldGuideLst xmlns:p15="http://schemas.microsoft.com/office/powerpoint/2012/main"/>
@@ -4957,68 +4949,28 @@
           </a:p>
         </p:txBody>
       </p:sp>
-      <p:sp>
-        <p:nvSpPr>
-          <p:cNvPr id="4" name="テキスト プレースホルダー 3"/>
-          <p:cNvSpPr>
-            <a:spLocks noGrp="1"/>
-          </p:cNvSpPr>
-          <p:nvPr>
-            <p:ph type="body" sz="quarter" idx="14"/>
-          </p:nvPr>
-        </p:nvSpPr>
-        <p:spPr/>
-        <p:txBody>
-          <a:bodyPr/>
-          <a:lstStyle/>
-          <a:p>
-            <a:endParaRPr kumimoji="1" lang="ja-JP" altLang="en-US"/>
-          </a:p>
-        </p:txBody>
-      </p:sp>
-    </p:spTree>
-    <p:extLst>
-      <p:ext uri="{BB962C8B-B14F-4D97-AF65-F5344CB8AC3E}">
-        <p14:creationId xmlns:p14="http://schemas.microsoft.com/office/powerpoint/2010/main" val="3231396096"/>
-      </p:ext>
-    </p:extLst>
-  </p:cSld>
-  <p:clrMapOvr>
-    <a:masterClrMapping/>
-  </p:clrMapOvr>
-</p:sld>
-</file>
-
-<file path=ppt/slides/slide3.xml><?xml version="1.0" encoding="utf-8"?>
-<p:sld xmlns:a="http://schemas.openxmlformats.org/drawingml/2006/main" xmlns:r="http://schemas.openxmlformats.org/officeDocument/2006/relationships" xmlns:p="http://schemas.openxmlformats.org/presentationml/2006/main">
-  <p:cSld>
-    <p:spTree>
-      <p:nvGrpSpPr>
-        <p:cNvPr id="1" name=""/>
-        <p:cNvGrpSpPr/>
-        <p:nvPr/>
-      </p:nvGrpSpPr>
-      <p:grpSpPr>
-        <a:xfrm>
-          <a:off x="0" y="0"/>
-          <a:ext cx="0" cy="0"/>
-          <a:chOff x="0" y="0"/>
-          <a:chExt cx="0" cy="0"/>
-        </a:xfrm>
-      </p:grpSpPr>
       <p:pic>
         <p:nvPicPr>
-          <p:cNvPr id="16" name="図 15"/>
+          <p:cNvPr id="6" name="図 5" descr="屋内, 猫, テーブル, 座る が含まれている画像&#10;&#10;自動的に生成された説明">
+            <a:extLst>
+              <a:ext uri="{FF2B5EF4-FFF2-40B4-BE49-F238E27FC236}">
+                <a16:creationId xmlns:a16="http://schemas.microsoft.com/office/drawing/2014/main" id="{4A62C223-93AE-4FFF-9242-27984C0E48CA}"/>
+              </a:ext>
+            </a:extLst>
+          </p:cNvPr>
           <p:cNvPicPr>
             <a:picLocks noChangeAspect="1"/>
           </p:cNvPicPr>
           <p:nvPr/>
         </p:nvPicPr>
         <p:blipFill>
-          <a:blip r:embed="rId2">
+          <a:blip r:embed="rId3" cstate="print">
             <a:extLst>
               <a:ext uri="{28A0092B-C50C-407E-A947-70E740481C1C}">
                 <a14:useLocalDpi xmlns:a14="http://schemas.microsoft.com/office/drawing/2010/main" val="0"/>
+              </a:ext>
+              <a:ext uri="{837473B0-CC2E-450A-ABE3-18F120FF3D39}">
+                <a1611:picAttrSrcUrl xmlns:a1611="http://schemas.microsoft.com/office/drawing/2016/11/main" r:id="rId4"/>
               </a:ext>
             </a:extLst>
           </a:blip>
@@ -5028,1379 +4980,93 @@
         </p:blipFill>
         <p:spPr>
           <a:xfrm>
-            <a:off x="157" y="630"/>
-            <a:ext cx="10691498" cy="7558414"/>
+            <a:off x="3517106" y="2629217"/>
+            <a:ext cx="3657600" cy="2301240"/>
+          </a:xfrm>
+          <a:prstGeom prst="rect">
+            <a:avLst/>
+          </a:prstGeom>
+        </p:spPr>
+      </p:pic>
+      <p:sp>
+        <p:nvSpPr>
+          <p:cNvPr id="7" name="テキスト ボックス 6">
+            <a:extLst>
+              <a:ext uri="{FF2B5EF4-FFF2-40B4-BE49-F238E27FC236}">
+                <a16:creationId xmlns:a16="http://schemas.microsoft.com/office/drawing/2014/main" id="{00B6510C-1E57-4F9C-B14B-865383901E05}"/>
+              </a:ext>
+            </a:extLst>
+          </p:cNvPr>
+          <p:cNvSpPr txBox="1"/>
+          <p:nvPr/>
+        </p:nvSpPr>
+        <p:spPr>
+          <a:xfrm>
+            <a:off x="3517106" y="4930457"/>
+            <a:ext cx="3657600" cy="369332"/>
           </a:xfrm>
           <a:prstGeom prst="rect">
             <a:avLst/>
           </a:prstGeom>
           <a:noFill/>
-          <a:ln>
-            <a:noFill/>
-          </a:ln>
-        </p:spPr>
-      </p:pic>
-      <p:sp>
-        <p:nvSpPr>
-          <p:cNvPr id="17" name="正方形/長方形 16"/>
-          <p:cNvSpPr/>
-          <p:nvPr/>
-        </p:nvSpPr>
-        <p:spPr>
-          <a:xfrm>
-            <a:off x="0" y="0"/>
-            <a:ext cx="10691813" cy="1016000"/>
-          </a:xfrm>
-          <a:prstGeom prst="rect">
-            <a:avLst/>
-          </a:prstGeom>
-          <a:gradFill flip="none" rotWithShape="1">
-            <a:gsLst>
-              <a:gs pos="0">
-                <a:schemeClr val="bg1"/>
-              </a:gs>
-              <a:gs pos="79000">
-                <a:schemeClr val="bg1">
-                  <a:lumMod val="95000"/>
-                </a:schemeClr>
-              </a:gs>
-              <a:gs pos="100000">
-                <a:schemeClr val="bg1">
-                  <a:lumMod val="85000"/>
-                </a:schemeClr>
-              </a:gs>
-            </a:gsLst>
-            <a:lin ang="10800000" scaled="1"/>
-            <a:tileRect/>
-          </a:gradFill>
-          <a:ln>
-            <a:noFill/>
-          </a:ln>
-        </p:spPr>
-        <p:style>
-          <a:lnRef idx="2">
-            <a:schemeClr val="accent1">
-              <a:shade val="50000"/>
-            </a:schemeClr>
-          </a:lnRef>
-          <a:fillRef idx="1">
-            <a:schemeClr val="accent1"/>
-          </a:fillRef>
-          <a:effectRef idx="0">
-            <a:schemeClr val="accent1"/>
-          </a:effectRef>
-          <a:fontRef idx="minor">
-            <a:schemeClr val="lt1"/>
-          </a:fontRef>
-        </p:style>
-        <p:txBody>
-          <a:bodyPr rtlCol="0" anchor="ctr"/>
+        </p:spPr>
+        <p:txBody>
+          <a:bodyPr wrap="square" rtlCol="0">
+            <a:spAutoFit/>
+          </a:bodyPr>
           <a:lstStyle/>
           <a:p>
-            <a:pPr algn="ctr"/>
-            <a:endParaRPr kumimoji="1" lang="ja-JP" altLang="en-US"/>
-          </a:p>
-        </p:txBody>
-      </p:sp>
-      <p:cxnSp>
-        <p:nvCxnSpPr>
-          <p:cNvPr id="18" name="直線コネクタ 17"/>
-          <p:cNvCxnSpPr/>
-          <p:nvPr/>
-        </p:nvCxnSpPr>
-        <p:spPr>
-          <a:xfrm>
-            <a:off x="0" y="999241"/>
-            <a:ext cx="10691656" cy="0"/>
-          </a:xfrm>
-          <a:prstGeom prst="line">
-            <a:avLst/>
-          </a:prstGeom>
-          <a:ln w="28575">
-            <a:solidFill>
-              <a:schemeClr val="bg1">
-                <a:lumMod val="50000"/>
-              </a:schemeClr>
-            </a:solidFill>
-          </a:ln>
-        </p:spPr>
-        <p:style>
-          <a:lnRef idx="1">
-            <a:schemeClr val="accent1"/>
-          </a:lnRef>
-          <a:fillRef idx="0">
-            <a:schemeClr val="accent1"/>
-          </a:fillRef>
-          <a:effectRef idx="0">
-            <a:schemeClr val="accent1"/>
-          </a:effectRef>
-          <a:fontRef idx="minor">
-            <a:schemeClr val="tx1"/>
-          </a:fontRef>
-        </p:style>
-      </p:cxnSp>
-      <p:sp>
-        <p:nvSpPr>
-          <p:cNvPr id="2" name="テキスト プレースホルダー 1"/>
-          <p:cNvSpPr>
-            <a:spLocks noGrp="1"/>
-          </p:cNvSpPr>
-          <p:nvPr>
-            <p:ph type="body" sz="quarter" idx="13"/>
-          </p:nvPr>
-        </p:nvSpPr>
-        <p:spPr/>
-        <p:txBody>
-          <a:bodyPr/>
-          <a:lstStyle/>
-          <a:p>
-            <a:endParaRPr kumimoji="1" lang="ja-JP" altLang="en-US"/>
-          </a:p>
-        </p:txBody>
-      </p:sp>
-      <p:sp>
-        <p:nvSpPr>
-          <p:cNvPr id="3" name="テキスト プレースホルダー 2"/>
-          <p:cNvSpPr>
-            <a:spLocks noGrp="1"/>
-          </p:cNvSpPr>
-          <p:nvPr>
-            <p:ph type="body" sz="quarter" idx="14"/>
-          </p:nvPr>
-        </p:nvSpPr>
-        <p:spPr/>
-        <p:txBody>
-          <a:bodyPr/>
-          <a:lstStyle/>
-          <a:p>
-            <a:endParaRPr kumimoji="1" lang="ja-JP" altLang="en-US"/>
-          </a:p>
-        </p:txBody>
-      </p:sp>
-      <p:sp>
-        <p:nvSpPr>
-          <p:cNvPr id="4" name="テキスト プレースホルダー 3"/>
-          <p:cNvSpPr>
-            <a:spLocks noGrp="1"/>
-          </p:cNvSpPr>
-          <p:nvPr>
-            <p:ph type="body" sz="quarter" idx="15"/>
-          </p:nvPr>
-        </p:nvSpPr>
-        <p:spPr/>
-        <p:txBody>
-          <a:bodyPr/>
-          <a:lstStyle/>
-          <a:p>
-            <a:endParaRPr kumimoji="1" lang="ja-JP" altLang="en-US"/>
-          </a:p>
-        </p:txBody>
-      </p:sp>
-      <p:sp>
-        <p:nvSpPr>
-          <p:cNvPr id="5" name="図プレースホルダー 4"/>
-          <p:cNvSpPr>
-            <a:spLocks noGrp="1"/>
-          </p:cNvSpPr>
-          <p:nvPr>
-            <p:ph type="pic" sz="quarter" idx="16"/>
-          </p:nvPr>
-        </p:nvSpPr>
-        <p:spPr/>
-        <p:txBody>
-          <a:bodyPr/>
-          <a:p/>
-        </p:txBody>
-      </p:sp>
-    </p:spTree>
-    <p:extLst>
-      <p:ext uri="{BB962C8B-B14F-4D97-AF65-F5344CB8AC3E}">
-        <p14:creationId xmlns:p14="http://schemas.microsoft.com/office/powerpoint/2010/main" val="2769562195"/>
-      </p:ext>
-    </p:extLst>
-  </p:cSld>
-  <p:clrMapOvr>
-    <a:masterClrMapping/>
-  </p:clrMapOvr>
-</p:sld>
-</file>
-
-<file path=ppt/slides/slide4.xml><?xml version="1.0" encoding="utf-8"?>
-<p:sld xmlns:a="http://schemas.openxmlformats.org/drawingml/2006/main" xmlns:r="http://schemas.openxmlformats.org/officeDocument/2006/relationships" xmlns:p="http://schemas.openxmlformats.org/presentationml/2006/main">
-  <p:cSld>
-    <p:spTree>
-      <p:nvGrpSpPr>
-        <p:cNvPr id="1" name=""/>
-        <p:cNvGrpSpPr/>
-        <p:nvPr/>
-      </p:nvGrpSpPr>
-      <p:grpSpPr>
-        <a:xfrm>
-          <a:off x="0" y="0"/>
-          <a:ext cx="0" cy="0"/>
-          <a:chOff x="0" y="0"/>
-          <a:chExt cx="0" cy="0"/>
-        </a:xfrm>
-      </p:grpSpPr>
+            <a:r>
+              <a:rPr lang="ja-JP" altLang="en-US" sz="900">
+                <a:hlinkClick r:id="rId4" tooltip="https://ja.wikipedia.org/wiki/%E3%81%AD%E3%81%93%E9%8D%8B"/>
+              </a:rPr>
+              <a:t>この写真</a:t>
+            </a:r>
+            <a:r>
+              <a:rPr lang="ja-JP" altLang="en-US" sz="900"/>
+              <a:t> の作成者 不明な作成者 は </a:t>
+            </a:r>
+            <a:r>
+              <a:rPr lang="ja-JP" altLang="en-US" sz="900">
+                <a:hlinkClick r:id="rId5" tooltip="https://creativecommons.org/licenses/by-sa/3.0/"/>
+              </a:rPr>
+              <a:t>CC BY-SA</a:t>
+            </a:r>
+            <a:r>
+              <a:rPr lang="ja-JP" altLang="en-US" sz="900"/>
+              <a:t> のライセンスを許諾されています</a:t>
+            </a:r>
+          </a:p>
+        </p:txBody>
+      </p:sp>
       <p:pic>
         <p:nvPicPr>
-          <p:cNvPr id="16" name="図 15"/>
+          <p:cNvPr id="15" name="Picture 14" descr="inu.jpg"/>
           <p:cNvPicPr>
             <a:picLocks noChangeAspect="1"/>
           </p:cNvPicPr>
           <p:nvPr/>
         </p:nvPicPr>
         <p:blipFill>
-          <a:blip r:embed="rId2">
-            <a:extLst>
-              <a:ext uri="{28A0092B-C50C-407E-A947-70E740481C1C}">
-                <a14:useLocalDpi xmlns:a14="http://schemas.microsoft.com/office/drawing/2010/main" val="0"/>
-              </a:ext>
-            </a:extLst>
-          </a:blip>
+          <a:blip r:embed="rId6"/>
           <a:stretch>
             <a:fillRect/>
           </a:stretch>
         </p:blipFill>
         <p:spPr>
           <a:xfrm>
-            <a:off x="157" y="630"/>
-            <a:ext cx="10691498" cy="7558414"/>
+            <a:off x="3517106" y="2629217"/>
+            <a:ext cx="3657600" cy="2301240"/>
           </a:xfrm>
           <a:prstGeom prst="rect">
             <a:avLst/>
           </a:prstGeom>
-          <a:noFill/>
-          <a:ln>
-            <a:noFill/>
-          </a:ln>
         </p:spPr>
       </p:pic>
-      <p:sp>
-        <p:nvSpPr>
-          <p:cNvPr id="17" name="正方形/長方形 16"/>
-          <p:cNvSpPr/>
-          <p:nvPr/>
-        </p:nvSpPr>
-        <p:spPr>
-          <a:xfrm>
-            <a:off x="0" y="0"/>
-            <a:ext cx="10691813" cy="1016000"/>
-          </a:xfrm>
-          <a:prstGeom prst="rect">
-            <a:avLst/>
-          </a:prstGeom>
-          <a:gradFill flip="none" rotWithShape="1">
-            <a:gsLst>
-              <a:gs pos="0">
-                <a:schemeClr val="bg1"/>
-              </a:gs>
-              <a:gs pos="79000">
-                <a:schemeClr val="bg1">
-                  <a:lumMod val="95000"/>
-                </a:schemeClr>
-              </a:gs>
-              <a:gs pos="100000">
-                <a:schemeClr val="bg1">
-                  <a:lumMod val="85000"/>
-                </a:schemeClr>
-              </a:gs>
-            </a:gsLst>
-            <a:lin ang="10800000" scaled="1"/>
-            <a:tileRect/>
-          </a:gradFill>
-          <a:ln>
-            <a:noFill/>
-          </a:ln>
-        </p:spPr>
-        <p:style>
-          <a:lnRef idx="2">
-            <a:schemeClr val="accent1">
-              <a:shade val="50000"/>
-            </a:schemeClr>
-          </a:lnRef>
-          <a:fillRef idx="1">
-            <a:schemeClr val="accent1"/>
-          </a:fillRef>
-          <a:effectRef idx="0">
-            <a:schemeClr val="accent1"/>
-          </a:effectRef>
-          <a:fontRef idx="minor">
-            <a:schemeClr val="lt1"/>
-          </a:fontRef>
-        </p:style>
-        <p:txBody>
-          <a:bodyPr rtlCol="0" anchor="ctr"/>
-          <a:lstStyle/>
-          <a:p>
-            <a:pPr algn="ctr"/>
-            <a:endParaRPr kumimoji="1" lang="ja-JP" altLang="en-US"/>
-          </a:p>
-        </p:txBody>
-      </p:sp>
-      <p:cxnSp>
-        <p:nvCxnSpPr>
-          <p:cNvPr id="18" name="直線コネクタ 17"/>
-          <p:cNvCxnSpPr/>
-          <p:nvPr/>
-        </p:nvCxnSpPr>
-        <p:spPr>
-          <a:xfrm>
-            <a:off x="0" y="999241"/>
-            <a:ext cx="10691656" cy="0"/>
-          </a:xfrm>
-          <a:prstGeom prst="line">
-            <a:avLst/>
-          </a:prstGeom>
-          <a:ln w="28575">
-            <a:solidFill>
-              <a:schemeClr val="bg1">
-                <a:lumMod val="50000"/>
-              </a:schemeClr>
-            </a:solidFill>
-          </a:ln>
-        </p:spPr>
-        <p:style>
-          <a:lnRef idx="1">
-            <a:schemeClr val="accent1"/>
-          </a:lnRef>
-          <a:fillRef idx="0">
-            <a:schemeClr val="accent1"/>
-          </a:fillRef>
-          <a:effectRef idx="0">
-            <a:schemeClr val="accent1"/>
-          </a:effectRef>
-          <a:fontRef idx="minor">
-            <a:schemeClr val="tx1"/>
-          </a:fontRef>
-        </p:style>
-      </p:cxnSp>
-      <p:sp>
-        <p:nvSpPr>
-          <p:cNvPr id="2" name="テキスト プレースホルダー 1"/>
-          <p:cNvSpPr>
-            <a:spLocks noGrp="1"/>
-          </p:cNvSpPr>
-          <p:nvPr>
-            <p:ph type="body" sz="quarter" idx="13"/>
-          </p:nvPr>
-        </p:nvSpPr>
-        <p:spPr/>
-        <p:txBody>
-          <a:bodyPr/>
-          <a:lstStyle/>
-          <a:p>
-            <a:endParaRPr kumimoji="1" lang="ja-JP" altLang="en-US" dirty="0"/>
-          </a:p>
-        </p:txBody>
-      </p:sp>
-      <p:sp>
-        <p:nvSpPr>
-          <p:cNvPr id="3" name="グラフ プレースホルダー 2"/>
-          <p:cNvSpPr>
-            <a:spLocks noGrp="1"/>
-          </p:cNvSpPr>
-          <p:nvPr>
-            <p:ph type="chart" sz="quarter" idx="16"/>
-          </p:nvPr>
-        </p:nvSpPr>
-        <p:spPr/>
-        <p:txBody>
-          <a:bodyPr/>
-          <a:p/>
-        </p:txBody>
-      </p:sp>
-      <p:sp>
-        <p:nvSpPr>
-          <p:cNvPr id="4" name="テキスト プレースホルダー 3"/>
-          <p:cNvSpPr>
-            <a:spLocks noGrp="1"/>
-          </p:cNvSpPr>
-          <p:nvPr>
-            <p:ph type="body" sz="quarter" idx="17"/>
-          </p:nvPr>
-        </p:nvSpPr>
-        <p:spPr/>
-        <p:txBody>
-          <a:bodyPr/>
-          <a:lstStyle/>
-          <a:p>
-            <a:endParaRPr kumimoji="1" lang="ja-JP" altLang="en-US"/>
-          </a:p>
-        </p:txBody>
-      </p:sp>
     </p:spTree>
     <p:extLst>
       <p:ext uri="{BB962C8B-B14F-4D97-AF65-F5344CB8AC3E}">
-        <p14:creationId xmlns:p14="http://schemas.microsoft.com/office/powerpoint/2010/main" val="3173629201"/>
-      </p:ext>
-    </p:extLst>
-  </p:cSld>
-  <p:clrMapOvr>
-    <a:masterClrMapping/>
-  </p:clrMapOvr>
-</p:sld>
-</file>
-
-<file path=ppt/slides/slide5.xml><?xml version="1.0" encoding="utf-8"?>
-<p:sld xmlns:a="http://schemas.openxmlformats.org/drawingml/2006/main" xmlns:r="http://schemas.openxmlformats.org/officeDocument/2006/relationships" xmlns:p="http://schemas.openxmlformats.org/presentationml/2006/main">
-  <p:cSld>
-    <p:spTree>
-      <p:nvGrpSpPr>
-        <p:cNvPr id="1" name=""/>
-        <p:cNvGrpSpPr/>
-        <p:nvPr/>
-      </p:nvGrpSpPr>
-      <p:grpSpPr>
-        <a:xfrm>
-          <a:off x="0" y="0"/>
-          <a:ext cx="0" cy="0"/>
-          <a:chOff x="0" y="0"/>
-          <a:chExt cx="0" cy="0"/>
-        </a:xfrm>
-      </p:grpSpPr>
-      <p:pic>
-        <p:nvPicPr>
-          <p:cNvPr id="13" name="図 12"/>
-          <p:cNvPicPr>
-            <a:picLocks noChangeAspect="1"/>
-          </p:cNvPicPr>
-          <p:nvPr/>
-        </p:nvPicPr>
-        <p:blipFill>
-          <a:blip r:embed="rId2">
-            <a:extLst>
-              <a:ext uri="{28A0092B-C50C-407E-A947-70E740481C1C}">
-                <a14:useLocalDpi xmlns:a14="http://schemas.microsoft.com/office/drawing/2010/main" val="0"/>
-              </a:ext>
-            </a:extLst>
-          </a:blip>
-          <a:stretch>
-            <a:fillRect/>
-          </a:stretch>
-        </p:blipFill>
-        <p:spPr>
-          <a:xfrm>
-            <a:off x="157" y="630"/>
-            <a:ext cx="10691498" cy="7558414"/>
-          </a:xfrm>
-          <a:prstGeom prst="rect">
-            <a:avLst/>
-          </a:prstGeom>
-          <a:noFill/>
-          <a:ln>
-            <a:noFill/>
-          </a:ln>
-        </p:spPr>
-      </p:pic>
-      <p:sp>
-        <p:nvSpPr>
-          <p:cNvPr id="14" name="正方形/長方形 13"/>
-          <p:cNvSpPr/>
-          <p:nvPr/>
-        </p:nvSpPr>
-        <p:spPr>
-          <a:xfrm>
-            <a:off x="0" y="0"/>
-            <a:ext cx="10691813" cy="1016000"/>
-          </a:xfrm>
-          <a:prstGeom prst="rect">
-            <a:avLst/>
-          </a:prstGeom>
-          <a:gradFill flip="none" rotWithShape="1">
-            <a:gsLst>
-              <a:gs pos="0">
-                <a:schemeClr val="bg1"/>
-              </a:gs>
-              <a:gs pos="79000">
-                <a:schemeClr val="bg1">
-                  <a:lumMod val="95000"/>
-                </a:schemeClr>
-              </a:gs>
-              <a:gs pos="100000">
-                <a:schemeClr val="bg1">
-                  <a:lumMod val="85000"/>
-                </a:schemeClr>
-              </a:gs>
-            </a:gsLst>
-            <a:lin ang="10800000" scaled="1"/>
-            <a:tileRect/>
-          </a:gradFill>
-          <a:ln>
-            <a:noFill/>
-          </a:ln>
-        </p:spPr>
-        <p:style>
-          <a:lnRef idx="2">
-            <a:schemeClr val="accent1">
-              <a:shade val="50000"/>
-            </a:schemeClr>
-          </a:lnRef>
-          <a:fillRef idx="1">
-            <a:schemeClr val="accent1"/>
-          </a:fillRef>
-          <a:effectRef idx="0">
-            <a:schemeClr val="accent1"/>
-          </a:effectRef>
-          <a:fontRef idx="minor">
-            <a:schemeClr val="lt1"/>
-          </a:fontRef>
-        </p:style>
-        <p:txBody>
-          <a:bodyPr rtlCol="0" anchor="ctr"/>
-          <a:lstStyle/>
-          <a:p>
-            <a:pPr algn="ctr"/>
-            <a:endParaRPr kumimoji="1" lang="ja-JP" altLang="en-US"/>
-          </a:p>
-        </p:txBody>
-      </p:sp>
-      <p:cxnSp>
-        <p:nvCxnSpPr>
-          <p:cNvPr id="15" name="直線コネクタ 14"/>
-          <p:cNvCxnSpPr/>
-          <p:nvPr/>
-        </p:nvCxnSpPr>
-        <p:spPr>
-          <a:xfrm>
-            <a:off x="0" y="999241"/>
-            <a:ext cx="10691656" cy="0"/>
-          </a:xfrm>
-          <a:prstGeom prst="line">
-            <a:avLst/>
-          </a:prstGeom>
-          <a:ln w="28575">
-            <a:solidFill>
-              <a:schemeClr val="bg1">
-                <a:lumMod val="50000"/>
-              </a:schemeClr>
-            </a:solidFill>
-          </a:ln>
-        </p:spPr>
-        <p:style>
-          <a:lnRef idx="1">
-            <a:schemeClr val="accent1"/>
-          </a:lnRef>
-          <a:fillRef idx="0">
-            <a:schemeClr val="accent1"/>
-          </a:fillRef>
-          <a:effectRef idx="0">
-            <a:schemeClr val="accent1"/>
-          </a:effectRef>
-          <a:fontRef idx="minor">
-            <a:schemeClr val="tx1"/>
-          </a:fontRef>
-        </p:style>
-      </p:cxnSp>
-      <p:sp>
-        <p:nvSpPr>
-          <p:cNvPr id="2" name="テキスト プレースホルダー 1"/>
-          <p:cNvSpPr>
-            <a:spLocks noGrp="1"/>
-          </p:cNvSpPr>
-          <p:nvPr>
-            <p:ph type="body" sz="quarter" idx="13"/>
-          </p:nvPr>
-        </p:nvSpPr>
-        <p:spPr/>
-        <p:txBody>
-          <a:bodyPr/>
-          <a:lstStyle/>
-          <a:p>
-            <a:endParaRPr kumimoji="1" lang="ja-JP" altLang="en-US"/>
-          </a:p>
-        </p:txBody>
-      </p:sp>
-      <p:sp>
-        <p:nvSpPr>
-          <p:cNvPr id="4" name="テキスト プレースホルダー 3"/>
-          <p:cNvSpPr>
-            <a:spLocks noGrp="1"/>
-          </p:cNvSpPr>
-          <p:nvPr>
-            <p:ph type="body" sz="quarter" idx="17"/>
-          </p:nvPr>
-        </p:nvSpPr>
-        <p:spPr/>
-        <p:txBody>
-          <a:bodyPr/>
-          <a:lstStyle/>
-          <a:p>
-            <a:endParaRPr kumimoji="1" lang="ja-JP" altLang="en-US"/>
-          </a:p>
-        </p:txBody>
-      </p:sp>
-      <p:sp>
-        <p:nvSpPr>
-          <p:cNvPr id="3" name="テキスト プレースホルダー 2"/>
-          <p:cNvSpPr>
-            <a:spLocks noGrp="1"/>
-          </p:cNvSpPr>
-          <p:nvPr>
-            <p:ph type="body" sz="quarter" idx="15"/>
-          </p:nvPr>
-        </p:nvSpPr>
-        <p:spPr/>
-        <p:txBody>
-          <a:bodyPr/>
-          <a:lstStyle/>
-          <a:p>
-            <a:endParaRPr kumimoji="1" lang="ja-JP" altLang="en-US"/>
-          </a:p>
-        </p:txBody>
-      </p:sp>
-      <p:sp>
-        <p:nvSpPr>
-          <p:cNvPr id="5" name="SmartArt プレースホルダー 4"/>
-          <p:cNvSpPr>
-            <a:spLocks noGrp="1"/>
-          </p:cNvSpPr>
-          <p:nvPr>
-            <p:ph type="dgm" sz="quarter" idx="19"/>
-          </p:nvPr>
-        </p:nvSpPr>
-        <p:spPr/>
-        <p:txBody>
-          <a:bodyPr/>
-          <a:p/>
-        </p:txBody>
-      </p:sp>
-    </p:spTree>
-    <p:extLst>
-      <p:ext uri="{BB962C8B-B14F-4D97-AF65-F5344CB8AC3E}">
-        <p14:creationId xmlns:p14="http://schemas.microsoft.com/office/powerpoint/2010/main" val="1692779723"/>
-      </p:ext>
-    </p:extLst>
-  </p:cSld>
-  <p:clrMapOvr>
-    <a:masterClrMapping/>
-  </p:clrMapOvr>
-</p:sld>
-</file>
-
-<file path=ppt/slides/slide6.xml><?xml version="1.0" encoding="utf-8"?>
-<p:sld xmlns:a="http://schemas.openxmlformats.org/drawingml/2006/main" xmlns:r="http://schemas.openxmlformats.org/officeDocument/2006/relationships" xmlns:p="http://schemas.openxmlformats.org/presentationml/2006/main">
-  <p:cSld>
-    <p:spTree>
-      <p:nvGrpSpPr>
-        <p:cNvPr id="1" name=""/>
-        <p:cNvGrpSpPr/>
-        <p:nvPr/>
-      </p:nvGrpSpPr>
-      <p:grpSpPr>
-        <a:xfrm>
-          <a:off x="0" y="0"/>
-          <a:ext cx="0" cy="0"/>
-          <a:chOff x="0" y="0"/>
-          <a:chExt cx="0" cy="0"/>
-        </a:xfrm>
-      </p:grpSpPr>
-      <p:pic>
-        <p:nvPicPr>
-          <p:cNvPr id="14" name="図 13"/>
-          <p:cNvPicPr>
-            <a:picLocks noChangeAspect="1"/>
-          </p:cNvPicPr>
-          <p:nvPr/>
-        </p:nvPicPr>
-        <p:blipFill>
-          <a:blip r:embed="rId2">
-            <a:extLst>
-              <a:ext uri="{28A0092B-C50C-407E-A947-70E740481C1C}">
-                <a14:useLocalDpi xmlns:a14="http://schemas.microsoft.com/office/drawing/2010/main" val="0"/>
-              </a:ext>
-            </a:extLst>
-          </a:blip>
-          <a:stretch>
-            <a:fillRect/>
-          </a:stretch>
-        </p:blipFill>
-        <p:spPr>
-          <a:xfrm>
-            <a:off x="157" y="630"/>
-            <a:ext cx="10691498" cy="7558414"/>
-          </a:xfrm>
-          <a:prstGeom prst="rect">
-            <a:avLst/>
-          </a:prstGeom>
-          <a:noFill/>
-          <a:ln>
-            <a:noFill/>
-          </a:ln>
-        </p:spPr>
-      </p:pic>
-      <p:sp>
-        <p:nvSpPr>
-          <p:cNvPr id="15" name="正方形/長方形 14"/>
-          <p:cNvSpPr/>
-          <p:nvPr/>
-        </p:nvSpPr>
-        <p:spPr>
-          <a:xfrm>
-            <a:off x="0" y="0"/>
-            <a:ext cx="10691813" cy="1016000"/>
-          </a:xfrm>
-          <a:prstGeom prst="rect">
-            <a:avLst/>
-          </a:prstGeom>
-          <a:gradFill flip="none" rotWithShape="1">
-            <a:gsLst>
-              <a:gs pos="0">
-                <a:schemeClr val="bg1"/>
-              </a:gs>
-              <a:gs pos="79000">
-                <a:schemeClr val="bg1">
-                  <a:lumMod val="95000"/>
-                </a:schemeClr>
-              </a:gs>
-              <a:gs pos="100000">
-                <a:schemeClr val="bg1">
-                  <a:lumMod val="85000"/>
-                </a:schemeClr>
-              </a:gs>
-            </a:gsLst>
-            <a:lin ang="10800000" scaled="1"/>
-            <a:tileRect/>
-          </a:gradFill>
-          <a:ln>
-            <a:noFill/>
-          </a:ln>
-        </p:spPr>
-        <p:style>
-          <a:lnRef idx="2">
-            <a:schemeClr val="accent1">
-              <a:shade val="50000"/>
-            </a:schemeClr>
-          </a:lnRef>
-          <a:fillRef idx="1">
-            <a:schemeClr val="accent1"/>
-          </a:fillRef>
-          <a:effectRef idx="0">
-            <a:schemeClr val="accent1"/>
-          </a:effectRef>
-          <a:fontRef idx="minor">
-            <a:schemeClr val="lt1"/>
-          </a:fontRef>
-        </p:style>
-        <p:txBody>
-          <a:bodyPr rtlCol="0" anchor="ctr"/>
-          <a:lstStyle/>
-          <a:p>
-            <a:pPr algn="ctr"/>
-            <a:endParaRPr kumimoji="1" lang="ja-JP" altLang="en-US"/>
-          </a:p>
-        </p:txBody>
-      </p:sp>
-      <p:cxnSp>
-        <p:nvCxnSpPr>
-          <p:cNvPr id="16" name="直線コネクタ 15"/>
-          <p:cNvCxnSpPr/>
-          <p:nvPr/>
-        </p:nvCxnSpPr>
-        <p:spPr>
-          <a:xfrm>
-            <a:off x="0" y="999241"/>
-            <a:ext cx="10691656" cy="0"/>
-          </a:xfrm>
-          <a:prstGeom prst="line">
-            <a:avLst/>
-          </a:prstGeom>
-          <a:ln w="28575">
-            <a:solidFill>
-              <a:schemeClr val="bg1">
-                <a:lumMod val="50000"/>
-              </a:schemeClr>
-            </a:solidFill>
-          </a:ln>
-        </p:spPr>
-        <p:style>
-          <a:lnRef idx="1">
-            <a:schemeClr val="accent1"/>
-          </a:lnRef>
-          <a:fillRef idx="0">
-            <a:schemeClr val="accent1"/>
-          </a:fillRef>
-          <a:effectRef idx="0">
-            <a:schemeClr val="accent1"/>
-          </a:effectRef>
-          <a:fontRef idx="minor">
-            <a:schemeClr val="tx1"/>
-          </a:fontRef>
-        </p:style>
-      </p:cxnSp>
-      <p:sp>
-        <p:nvSpPr>
-          <p:cNvPr id="2" name="テキスト プレースホルダー 1"/>
-          <p:cNvSpPr>
-            <a:spLocks noGrp="1"/>
-          </p:cNvSpPr>
-          <p:nvPr>
-            <p:ph type="body" sz="quarter" idx="13"/>
-          </p:nvPr>
-        </p:nvSpPr>
-        <p:spPr/>
-        <p:txBody>
-          <a:bodyPr/>
-          <a:lstStyle/>
-          <a:p>
-            <a:endParaRPr kumimoji="1" lang="ja-JP" altLang="en-US"/>
-          </a:p>
-        </p:txBody>
-      </p:sp>
-      <p:sp>
-        <p:nvSpPr>
-          <p:cNvPr id="3" name="テキスト プレースホルダー 2"/>
-          <p:cNvSpPr>
-            <a:spLocks noGrp="1"/>
-          </p:cNvSpPr>
-          <p:nvPr>
-            <p:ph type="body" sz="quarter" idx="14"/>
-          </p:nvPr>
-        </p:nvSpPr>
-        <p:spPr/>
-        <p:txBody>
-          <a:bodyPr/>
-          <a:lstStyle/>
-          <a:p>
-            <a:endParaRPr kumimoji="1" lang="ja-JP" altLang="en-US"/>
-          </a:p>
-        </p:txBody>
-      </p:sp>
-      <p:sp>
-        <p:nvSpPr>
-          <p:cNvPr id="6" name="SmartArt プレースホルダー 5"/>
-          <p:cNvSpPr>
-            <a:spLocks noGrp="1"/>
-          </p:cNvSpPr>
-          <p:nvPr>
-            <p:ph type="dgm" sz="quarter" idx="19"/>
-          </p:nvPr>
-        </p:nvSpPr>
-        <p:spPr/>
-        <p:txBody>
-          <a:bodyPr/>
-          <a:p/>
-        </p:txBody>
-      </p:sp>
-    </p:spTree>
-    <p:extLst>
-      <p:ext uri="{BB962C8B-B14F-4D97-AF65-F5344CB8AC3E}">
-        <p14:creationId xmlns:p14="http://schemas.microsoft.com/office/powerpoint/2010/main" val="3492207141"/>
-      </p:ext>
-    </p:extLst>
-  </p:cSld>
-  <p:clrMapOvr>
-    <a:masterClrMapping/>
-  </p:clrMapOvr>
-</p:sld>
-</file>
-
-<file path=ppt/slides/slide7.xml><?xml version="1.0" encoding="utf-8"?>
-<p:sld xmlns:a="http://schemas.openxmlformats.org/drawingml/2006/main" xmlns:r="http://schemas.openxmlformats.org/officeDocument/2006/relationships" xmlns:p="http://schemas.openxmlformats.org/presentationml/2006/main">
-  <p:cSld>
-    <p:spTree>
-      <p:nvGrpSpPr>
-        <p:cNvPr id="1" name=""/>
-        <p:cNvGrpSpPr/>
-        <p:nvPr/>
-      </p:nvGrpSpPr>
-      <p:grpSpPr>
-        <a:xfrm>
-          <a:off x="0" y="0"/>
-          <a:ext cx="0" cy="0"/>
-          <a:chOff x="0" y="0"/>
-          <a:chExt cx="0" cy="0"/>
-        </a:xfrm>
-      </p:grpSpPr>
-      <p:pic>
-        <p:nvPicPr>
-          <p:cNvPr id="15" name="図 14"/>
-          <p:cNvPicPr>
-            <a:picLocks noChangeAspect="1"/>
-          </p:cNvPicPr>
-          <p:nvPr/>
-        </p:nvPicPr>
-        <p:blipFill>
-          <a:blip r:embed="rId2">
-            <a:extLst>
-              <a:ext uri="{28A0092B-C50C-407E-A947-70E740481C1C}">
-                <a14:useLocalDpi xmlns:a14="http://schemas.microsoft.com/office/drawing/2010/main" val="0"/>
-              </a:ext>
-            </a:extLst>
-          </a:blip>
-          <a:stretch>
-            <a:fillRect/>
-          </a:stretch>
-        </p:blipFill>
-        <p:spPr>
-          <a:xfrm>
-            <a:off x="157" y="630"/>
-            <a:ext cx="10691498" cy="7558414"/>
-          </a:xfrm>
-          <a:prstGeom prst="rect">
-            <a:avLst/>
-          </a:prstGeom>
-          <a:noFill/>
-          <a:ln>
-            <a:noFill/>
-          </a:ln>
-        </p:spPr>
-      </p:pic>
-      <p:sp>
-        <p:nvSpPr>
-          <p:cNvPr id="16" name="正方形/長方形 15"/>
-          <p:cNvSpPr/>
-          <p:nvPr/>
-        </p:nvSpPr>
-        <p:spPr>
-          <a:xfrm>
-            <a:off x="0" y="0"/>
-            <a:ext cx="10691813" cy="1016000"/>
-          </a:xfrm>
-          <a:prstGeom prst="rect">
-            <a:avLst/>
-          </a:prstGeom>
-          <a:gradFill flip="none" rotWithShape="1">
-            <a:gsLst>
-              <a:gs pos="0">
-                <a:schemeClr val="bg1"/>
-              </a:gs>
-              <a:gs pos="79000">
-                <a:schemeClr val="bg1">
-                  <a:lumMod val="95000"/>
-                </a:schemeClr>
-              </a:gs>
-              <a:gs pos="100000">
-                <a:schemeClr val="bg1">
-                  <a:lumMod val="85000"/>
-                </a:schemeClr>
-              </a:gs>
-            </a:gsLst>
-            <a:lin ang="10800000" scaled="1"/>
-            <a:tileRect/>
-          </a:gradFill>
-          <a:ln>
-            <a:noFill/>
-          </a:ln>
-        </p:spPr>
-        <p:style>
-          <a:lnRef idx="2">
-            <a:schemeClr val="accent1">
-              <a:shade val="50000"/>
-            </a:schemeClr>
-          </a:lnRef>
-          <a:fillRef idx="1">
-            <a:schemeClr val="accent1"/>
-          </a:fillRef>
-          <a:effectRef idx="0">
-            <a:schemeClr val="accent1"/>
-          </a:effectRef>
-          <a:fontRef idx="minor">
-            <a:schemeClr val="lt1"/>
-          </a:fontRef>
-        </p:style>
-        <p:txBody>
-          <a:bodyPr rtlCol="0" anchor="ctr"/>
-          <a:lstStyle/>
-          <a:p>
-            <a:pPr algn="ctr"/>
-            <a:endParaRPr kumimoji="1" lang="ja-JP" altLang="en-US"/>
-          </a:p>
-        </p:txBody>
-      </p:sp>
-      <p:cxnSp>
-        <p:nvCxnSpPr>
-          <p:cNvPr id="17" name="直線コネクタ 16"/>
-          <p:cNvCxnSpPr/>
-          <p:nvPr/>
-        </p:nvCxnSpPr>
-        <p:spPr>
-          <a:xfrm>
-            <a:off x="0" y="999241"/>
-            <a:ext cx="10691656" cy="0"/>
-          </a:xfrm>
-          <a:prstGeom prst="line">
-            <a:avLst/>
-          </a:prstGeom>
-          <a:ln w="28575">
-            <a:solidFill>
-              <a:schemeClr val="bg1">
-                <a:lumMod val="50000"/>
-              </a:schemeClr>
-            </a:solidFill>
-          </a:ln>
-        </p:spPr>
-        <p:style>
-          <a:lnRef idx="1">
-            <a:schemeClr val="accent1"/>
-          </a:lnRef>
-          <a:fillRef idx="0">
-            <a:schemeClr val="accent1"/>
-          </a:fillRef>
-          <a:effectRef idx="0">
-            <a:schemeClr val="accent1"/>
-          </a:effectRef>
-          <a:fontRef idx="minor">
-            <a:schemeClr val="tx1"/>
-          </a:fontRef>
-        </p:style>
-      </p:cxnSp>
-      <p:sp>
-        <p:nvSpPr>
-          <p:cNvPr id="2" name="テキスト プレースホルダー 1"/>
-          <p:cNvSpPr>
-            <a:spLocks noGrp="1"/>
-          </p:cNvSpPr>
-          <p:nvPr>
-            <p:ph type="body" sz="quarter" idx="13"/>
-          </p:nvPr>
-        </p:nvSpPr>
-        <p:spPr/>
-        <p:txBody>
-          <a:bodyPr/>
-          <a:lstStyle/>
-          <a:p>
-            <a:endParaRPr kumimoji="1" lang="ja-JP" altLang="en-US"/>
-          </a:p>
-        </p:txBody>
-      </p:sp>
-      <p:sp>
-        <p:nvSpPr>
-          <p:cNvPr id="3" name="テキスト プレースホルダー 2"/>
-          <p:cNvSpPr>
-            <a:spLocks noGrp="1"/>
-          </p:cNvSpPr>
-          <p:nvPr>
-            <p:ph type="body" sz="quarter" idx="16"/>
-          </p:nvPr>
-        </p:nvSpPr>
-        <p:spPr/>
-        <p:txBody>
-          <a:bodyPr/>
-          <a:lstStyle/>
-          <a:p>
-            <a:endParaRPr kumimoji="1" lang="ja-JP" altLang="en-US"/>
-          </a:p>
-        </p:txBody>
-      </p:sp>
-      <p:sp>
-        <p:nvSpPr>
-          <p:cNvPr id="6" name="表プレースホルダー 5"/>
-          <p:cNvSpPr>
-            <a:spLocks noGrp="1"/>
-          </p:cNvSpPr>
-          <p:nvPr>
-            <p:ph type="tbl" sz="quarter" idx="17"/>
-          </p:nvPr>
-        </p:nvSpPr>
-        <p:spPr/>
-        <p:txBody>
-          <a:bodyPr/>
-          <a:p/>
-        </p:txBody>
-      </p:sp>
-    </p:spTree>
-    <p:extLst>
-      <p:ext uri="{BB962C8B-B14F-4D97-AF65-F5344CB8AC3E}">
-        <p14:creationId xmlns:p14="http://schemas.microsoft.com/office/powerpoint/2010/main" val="617115404"/>
-      </p:ext>
-    </p:extLst>
-  </p:cSld>
-  <p:clrMapOvr>
-    <a:masterClrMapping/>
-  </p:clrMapOvr>
-</p:sld>
-</file>
-
-<file path=ppt/slides/slide8.xml><?xml version="1.0" encoding="utf-8"?>
-<p:sld xmlns:a="http://schemas.openxmlformats.org/drawingml/2006/main" xmlns:r="http://schemas.openxmlformats.org/officeDocument/2006/relationships" xmlns:p="http://schemas.openxmlformats.org/presentationml/2006/main">
-  <p:cSld>
-    <p:spTree>
-      <p:nvGrpSpPr>
-        <p:cNvPr id="1" name=""/>
-        <p:cNvGrpSpPr/>
-        <p:nvPr/>
-      </p:nvGrpSpPr>
-      <p:grpSpPr>
-        <a:xfrm>
-          <a:off x="0" y="0"/>
-          <a:ext cx="0" cy="0"/>
-          <a:chOff x="0" y="0"/>
-          <a:chExt cx="0" cy="0"/>
-        </a:xfrm>
-      </p:grpSpPr>
-      <p:pic>
-        <p:nvPicPr>
-          <p:cNvPr id="12" name="図 11"/>
-          <p:cNvPicPr>
-            <a:picLocks noChangeAspect="1"/>
-          </p:cNvPicPr>
-          <p:nvPr/>
-        </p:nvPicPr>
-        <p:blipFill>
-          <a:blip r:embed="rId2">
-            <a:extLst>
-              <a:ext uri="{28A0092B-C50C-407E-A947-70E740481C1C}">
-                <a14:useLocalDpi xmlns:a14="http://schemas.microsoft.com/office/drawing/2010/main" val="0"/>
-              </a:ext>
-            </a:extLst>
-          </a:blip>
-          <a:stretch>
-            <a:fillRect/>
-          </a:stretch>
-        </p:blipFill>
-        <p:spPr>
-          <a:xfrm>
-            <a:off x="157" y="630"/>
-            <a:ext cx="10691498" cy="7558414"/>
-          </a:xfrm>
-          <a:prstGeom prst="rect">
-            <a:avLst/>
-          </a:prstGeom>
-          <a:noFill/>
-          <a:ln>
-            <a:noFill/>
-          </a:ln>
-        </p:spPr>
-      </p:pic>
-      <p:sp>
-        <p:nvSpPr>
-          <p:cNvPr id="13" name="正方形/長方形 12"/>
-          <p:cNvSpPr/>
-          <p:nvPr/>
-        </p:nvSpPr>
-        <p:spPr>
-          <a:xfrm>
-            <a:off x="0" y="0"/>
-            <a:ext cx="10691813" cy="1016000"/>
-          </a:xfrm>
-          <a:prstGeom prst="rect">
-            <a:avLst/>
-          </a:prstGeom>
-          <a:gradFill flip="none" rotWithShape="1">
-            <a:gsLst>
-              <a:gs pos="0">
-                <a:schemeClr val="bg1"/>
-              </a:gs>
-              <a:gs pos="79000">
-                <a:schemeClr val="bg1">
-                  <a:lumMod val="95000"/>
-                </a:schemeClr>
-              </a:gs>
-              <a:gs pos="100000">
-                <a:schemeClr val="bg1">
-                  <a:lumMod val="85000"/>
-                </a:schemeClr>
-              </a:gs>
-            </a:gsLst>
-            <a:lin ang="10800000" scaled="1"/>
-            <a:tileRect/>
-          </a:gradFill>
-          <a:ln>
-            <a:noFill/>
-          </a:ln>
-        </p:spPr>
-        <p:style>
-          <a:lnRef idx="2">
-            <a:schemeClr val="accent1">
-              <a:shade val="50000"/>
-            </a:schemeClr>
-          </a:lnRef>
-          <a:fillRef idx="1">
-            <a:schemeClr val="accent1"/>
-          </a:fillRef>
-          <a:effectRef idx="0">
-            <a:schemeClr val="accent1"/>
-          </a:effectRef>
-          <a:fontRef idx="minor">
-            <a:schemeClr val="lt1"/>
-          </a:fontRef>
-        </p:style>
-        <p:txBody>
-          <a:bodyPr rtlCol="0" anchor="ctr"/>
-          <a:lstStyle/>
-          <a:p>
-            <a:pPr algn="ctr"/>
-            <a:endParaRPr kumimoji="1" lang="ja-JP" altLang="en-US"/>
-          </a:p>
-        </p:txBody>
-      </p:sp>
-      <p:cxnSp>
-        <p:nvCxnSpPr>
-          <p:cNvPr id="14" name="直線コネクタ 13"/>
-          <p:cNvCxnSpPr/>
-          <p:nvPr/>
-        </p:nvCxnSpPr>
-        <p:spPr>
-          <a:xfrm>
-            <a:off x="0" y="999241"/>
-            <a:ext cx="10691656" cy="0"/>
-          </a:xfrm>
-          <a:prstGeom prst="line">
-            <a:avLst/>
-          </a:prstGeom>
-          <a:ln w="28575">
-            <a:solidFill>
-              <a:schemeClr val="bg1">
-                <a:lumMod val="50000"/>
-              </a:schemeClr>
-            </a:solidFill>
-          </a:ln>
-        </p:spPr>
-        <p:style>
-          <a:lnRef idx="1">
-            <a:schemeClr val="accent1"/>
-          </a:lnRef>
-          <a:fillRef idx="0">
-            <a:schemeClr val="accent1"/>
-          </a:fillRef>
-          <a:effectRef idx="0">
-            <a:schemeClr val="accent1"/>
-          </a:effectRef>
-          <a:fontRef idx="minor">
-            <a:schemeClr val="tx1"/>
-          </a:fontRef>
-        </p:style>
-      </p:cxnSp>
-      <p:sp>
-        <p:nvSpPr>
-          <p:cNvPr id="2" name="テキスト プレースホルダー 1"/>
-          <p:cNvSpPr>
-            <a:spLocks noGrp="1"/>
-          </p:cNvSpPr>
-          <p:nvPr>
-            <p:ph type="body" sz="quarter" idx="13"/>
-          </p:nvPr>
-        </p:nvSpPr>
-        <p:spPr/>
-        <p:txBody>
-          <a:bodyPr/>
-          <a:lstStyle/>
-          <a:p>
-            <a:endParaRPr kumimoji="1" lang="ja-JP" altLang="en-US"/>
-          </a:p>
-        </p:txBody>
-      </p:sp>
-      <p:sp>
-        <p:nvSpPr>
-          <p:cNvPr id="3" name="テキスト プレースホルダー 2"/>
-          <p:cNvSpPr>
-            <a:spLocks noGrp="1"/>
-          </p:cNvSpPr>
-          <p:nvPr>
-            <p:ph type="body" sz="quarter" idx="14"/>
-          </p:nvPr>
-        </p:nvSpPr>
-        <p:spPr/>
-        <p:txBody>
-          <a:bodyPr/>
-          <a:lstStyle/>
-          <a:p>
-            <a:endParaRPr kumimoji="1" lang="ja-JP" altLang="en-US"/>
-          </a:p>
-        </p:txBody>
-      </p:sp>
-    </p:spTree>
-    <p:extLst>
-      <p:ext uri="{BB962C8B-B14F-4D97-AF65-F5344CB8AC3E}">
-        <p14:creationId xmlns:p14="http://schemas.microsoft.com/office/powerpoint/2010/main" val="4010781635"/>
-      </p:ext>
-    </p:extLst>
-  </p:cSld>
-  <p:clrMapOvr>
-    <a:masterClrMapping/>
-  </p:clrMapOvr>
-</p:sld>
-</file>
-
-<file path=ppt/slides/slide9.xml><?xml version="1.0" encoding="utf-8"?>
-<p:sld xmlns:a="http://schemas.openxmlformats.org/drawingml/2006/main" xmlns:r="http://schemas.openxmlformats.org/officeDocument/2006/relationships" xmlns:p="http://schemas.openxmlformats.org/presentationml/2006/main">
-  <p:cSld>
-    <p:spTree>
-      <p:nvGrpSpPr>
-        <p:cNvPr id="1" name=""/>
-        <p:cNvGrpSpPr/>
-        <p:nvPr/>
-      </p:nvGrpSpPr>
-      <p:grpSpPr>
-        <a:xfrm>
-          <a:off x="0" y="0"/>
-          <a:ext cx="0" cy="0"/>
-          <a:chOff x="0" y="0"/>
-          <a:chExt cx="0" cy="0"/>
-        </a:xfrm>
-      </p:grpSpPr>
-      <p:pic>
-        <p:nvPicPr>
-          <p:cNvPr id="4" name="図 3"/>
-          <p:cNvPicPr>
-            <a:picLocks noChangeAspect="1"/>
-          </p:cNvPicPr>
-          <p:nvPr/>
-        </p:nvPicPr>
-        <p:blipFill>
-          <a:blip r:embed="rId2">
-            <a:extLst>
-              <a:ext uri="{28A0092B-C50C-407E-A947-70E740481C1C}">
-                <a14:useLocalDpi xmlns:a14="http://schemas.microsoft.com/office/drawing/2010/main" val="0"/>
-              </a:ext>
-            </a:extLst>
-          </a:blip>
-          <a:stretch>
-            <a:fillRect/>
-          </a:stretch>
-        </p:blipFill>
-        <p:spPr>
-          <a:xfrm>
-            <a:off x="157" y="630"/>
-            <a:ext cx="10691498" cy="7558414"/>
-          </a:xfrm>
-          <a:prstGeom prst="rect">
-            <a:avLst/>
-          </a:prstGeom>
-          <a:noFill/>
-          <a:ln>
-            <a:noFill/>
-          </a:ln>
-        </p:spPr>
-      </p:pic>
-      <p:sp>
-        <p:nvSpPr>
-          <p:cNvPr id="2" name="テキスト ボックス 1"/>
-          <p:cNvSpPr txBox="1"/>
-          <p:nvPr/>
-        </p:nvSpPr>
-        <p:spPr>
-          <a:xfrm>
-            <a:off x="1069413" y="3425894"/>
-            <a:ext cx="8552985" cy="707886"/>
-          </a:xfrm>
-          <a:prstGeom prst="rect">
-            <a:avLst/>
-          </a:prstGeom>
-          <a:noFill/>
-        </p:spPr>
-        <p:txBody>
-          <a:bodyPr wrap="square" rtlCol="0">
-            <a:spAutoFit/>
-          </a:bodyPr>
-          <a:lstStyle/>
-          <a:p>
-            <a:pPr algn="ctr"/>
-            <a:r>
-              <a:rPr kumimoji="1" lang="ja-JP" altLang="en-US" sz="4000" dirty="0">
-                <a:latin typeface="HGPｺﾞｼｯｸE" panose="020B0900000000000000" pitchFamily="50" charset="-128"/>
-                <a:ea typeface="HGPｺﾞｼｯｸE" panose="020B0900000000000000" pitchFamily="50" charset="-128"/>
-              </a:rPr>
-              <a:t>ご清聴ありがとうございました</a:t>
-            </a:r>
-          </a:p>
-        </p:txBody>
-      </p:sp>
-    </p:spTree>
-    <p:extLst>
-      <p:ext uri="{BB962C8B-B14F-4D97-AF65-F5344CB8AC3E}">
-        <p14:creationId xmlns:p14="http://schemas.microsoft.com/office/powerpoint/2010/main" val="4085550804"/>
+        <p14:creationId xmlns:p14="http://schemas.microsoft.com/office/powerpoint/2010/main" val="3231396096"/>
       </p:ext>
     </p:extLst>
   </p:cSld>
